--- a/05-Sit/01_Pro_ucitele/Prezentace/53-sit-duplex.pptx
+++ b/05-Sit/01_Pro_ucitele/Prezentace/53-sit-duplex.pptx
@@ -4192,7 +4192,7 @@
                 </a:solidFill>
                 <a:latin typeface="Arial"/>
               </a:rPr>
-              <a:t>Program</a:t>
+              <a:t>Program – pro oba micro:bity</a:t>
             </a:r>
             <a:endParaRPr lang="cs-CZ" sz="4400" b="0" strike="noStrike" spc="-1" dirty="0">
               <a:latin typeface="Arial"/>
